--- a/0040_pllsyn/rtl/schematic/blink_7seg.pptx
+++ b/0040_pllsyn/rtl/schematic/blink_7seg.pptx
@@ -3468,13 +3468,6 @@
               </a:rPr>
               <a:t>blink_7seg</a:t>
             </a:r>
-            <a:endParaRPr lang="en-US" sz="900" dirty="0">
-              <a:solidFill>
-                <a:srgbClr val="000000"/>
-              </a:solidFill>
-              <a:latin typeface="Courier New" panose="02070309020205020404" pitchFamily="49" charset="0"/>
-              <a:cs typeface="Courier New" panose="02070309020205020404" pitchFamily="49" charset="0"/>
-            </a:endParaRPr>
           </a:p>
         </p:txBody>
       </p:sp>
@@ -5338,13 +5331,6 @@
               </a:rPr>
               <a:t>cnt_0</a:t>
             </a:r>
-            <a:endParaRPr lang="en-US" sz="900" dirty="0">
-              <a:solidFill>
-                <a:srgbClr val="000000"/>
-              </a:solidFill>
-              <a:latin typeface="Courier New" panose="02070309020205020404" pitchFamily="49" charset="0"/>
-              <a:cs typeface="Courier New" panose="02070309020205020404" pitchFamily="49" charset="0"/>
-            </a:endParaRPr>
           </a:p>
         </p:txBody>
       </p:sp>
@@ -5653,13 +5639,6 @@
               </a:rPr>
               <a:t>cnting_0</a:t>
             </a:r>
-            <a:endParaRPr lang="en-US" sz="900" dirty="0">
-              <a:solidFill>
-                <a:srgbClr val="000000"/>
-              </a:solidFill>
-              <a:latin typeface="Courier New" panose="02070309020205020404" pitchFamily="49" charset="0"/>
-              <a:cs typeface="Courier New" panose="02070309020205020404" pitchFamily="49" charset="0"/>
-            </a:endParaRPr>
           </a:p>
         </p:txBody>
       </p:sp>
@@ -5750,13 +5729,6 @@
               </a:rPr>
               <a:t>{BW{1’b0}}</a:t>
             </a:r>
-            <a:endParaRPr lang="en-US" sz="900" dirty="0">
-              <a:solidFill>
-                <a:srgbClr val="000000"/>
-              </a:solidFill>
-              <a:latin typeface="Courier New" panose="02070309020205020404" pitchFamily="49" charset="0"/>
-              <a:cs typeface="Courier New" panose="02070309020205020404" pitchFamily="49" charset="0"/>
-            </a:endParaRPr>
           </a:p>
         </p:txBody>
       </p:sp>
@@ -5978,13 +5950,6 @@
               </a:rPr>
               <a:t>2’d1</a:t>
             </a:r>
-            <a:endParaRPr lang="en-US" sz="900" dirty="0">
-              <a:solidFill>
-                <a:srgbClr val="000000"/>
-              </a:solidFill>
-              <a:latin typeface="Courier New" panose="02070309020205020404" pitchFamily="49" charset="0"/>
-              <a:cs typeface="Courier New" panose="02070309020205020404" pitchFamily="49" charset="0"/>
-            </a:endParaRPr>
           </a:p>
         </p:txBody>
       </p:sp>
@@ -6394,13 +6359,6 @@
               </a:rPr>
               <a:t>2</a:t>
             </a:r>
-            <a:endParaRPr lang="en-US" sz="900" dirty="0">
-              <a:solidFill>
-                <a:srgbClr val="000000"/>
-              </a:solidFill>
-              <a:latin typeface="Courier New" panose="02070309020205020404" pitchFamily="49" charset="0"/>
-              <a:cs typeface="Courier New" panose="02070309020205020404" pitchFamily="49" charset="0"/>
-            </a:endParaRPr>
           </a:p>
         </p:txBody>
       </p:sp>
@@ -6453,13 +6411,6 @@
               </a:rPr>
               <a:t>cnt_1</a:t>
             </a:r>
-            <a:endParaRPr lang="en-US" sz="900" dirty="0">
-              <a:solidFill>
-                <a:srgbClr val="000000"/>
-              </a:solidFill>
-              <a:latin typeface="Courier New" panose="02070309020205020404" pitchFamily="49" charset="0"/>
-              <a:cs typeface="Courier New" panose="02070309020205020404" pitchFamily="49" charset="0"/>
-            </a:endParaRPr>
           </a:p>
         </p:txBody>
       </p:sp>
@@ -7090,13 +7041,6 @@
               </a:rPr>
               <a:t>2’d0</a:t>
             </a:r>
-            <a:endParaRPr lang="en-US" sz="900" dirty="0">
-              <a:solidFill>
-                <a:srgbClr val="000000"/>
-              </a:solidFill>
-              <a:latin typeface="Courier New" panose="02070309020205020404" pitchFamily="49" charset="0"/>
-              <a:cs typeface="Courier New" panose="02070309020205020404" pitchFamily="49" charset="0"/>
-            </a:endParaRPr>
           </a:p>
         </p:txBody>
       </p:sp>
@@ -7149,13 +7093,6 @@
               </a:rPr>
               <a:t>2’d1</a:t>
             </a:r>
-            <a:endParaRPr lang="en-US" sz="900" dirty="0">
-              <a:solidFill>
-                <a:srgbClr val="000000"/>
-              </a:solidFill>
-              <a:latin typeface="Courier New" panose="02070309020205020404" pitchFamily="49" charset="0"/>
-              <a:cs typeface="Courier New" panose="02070309020205020404" pitchFamily="49" charset="0"/>
-            </a:endParaRPr>
           </a:p>
         </p:txBody>
       </p:sp>
@@ -7208,13 +7145,6 @@
               </a:rPr>
               <a:t>2’d2</a:t>
             </a:r>
-            <a:endParaRPr lang="en-US" sz="900" dirty="0">
-              <a:solidFill>
-                <a:srgbClr val="000000"/>
-              </a:solidFill>
-              <a:latin typeface="Courier New" panose="02070309020205020404" pitchFamily="49" charset="0"/>
-              <a:cs typeface="Courier New" panose="02070309020205020404" pitchFamily="49" charset="0"/>
-            </a:endParaRPr>
           </a:p>
         </p:txBody>
       </p:sp>
@@ -7267,13 +7197,6 @@
               </a:rPr>
               <a:t>2’d3</a:t>
             </a:r>
-            <a:endParaRPr lang="en-US" sz="900" dirty="0">
-              <a:solidFill>
-                <a:srgbClr val="000000"/>
-              </a:solidFill>
-              <a:latin typeface="Courier New" panose="02070309020205020404" pitchFamily="49" charset="0"/>
-              <a:cs typeface="Courier New" panose="02070309020205020404" pitchFamily="49" charset="0"/>
-            </a:endParaRPr>
           </a:p>
         </p:txBody>
       </p:sp>
@@ -7452,13 +7375,6 @@
               </a:rPr>
               <a:t>8</a:t>
             </a:r>
-            <a:endParaRPr lang="en-US" sz="900" dirty="0">
-              <a:solidFill>
-                <a:srgbClr val="000000"/>
-              </a:solidFill>
-              <a:latin typeface="Courier New" panose="02070309020205020404" pitchFamily="49" charset="0"/>
-              <a:cs typeface="Courier New" panose="02070309020205020404" pitchFamily="49" charset="0"/>
-            </a:endParaRPr>
           </a:p>
         </p:txBody>
       </p:sp>
@@ -7511,13 +7427,6 @@
               </a:rPr>
               <a:t>DIGIT0</a:t>
             </a:r>
-            <a:endParaRPr lang="en-US" sz="900" dirty="0">
-              <a:solidFill>
-                <a:srgbClr val="000000"/>
-              </a:solidFill>
-              <a:latin typeface="Courier New" panose="02070309020205020404" pitchFamily="49" charset="0"/>
-              <a:cs typeface="Courier New" panose="02070309020205020404" pitchFamily="49" charset="0"/>
-            </a:endParaRPr>
           </a:p>
         </p:txBody>
       </p:sp>
@@ -7699,13 +7608,6 @@
               </a:rPr>
               <a:t>8</a:t>
             </a:r>
-            <a:endParaRPr lang="en-US" sz="900" dirty="0">
-              <a:solidFill>
-                <a:srgbClr val="000000"/>
-              </a:solidFill>
-              <a:latin typeface="Courier New" panose="02070309020205020404" pitchFamily="49" charset="0"/>
-              <a:cs typeface="Courier New" panose="02070309020205020404" pitchFamily="49" charset="0"/>
-            </a:endParaRPr>
           </a:p>
         </p:txBody>
       </p:sp>
@@ -7758,13 +7660,6 @@
               </a:rPr>
               <a:t>DIGIT1</a:t>
             </a:r>
-            <a:endParaRPr lang="en-US" sz="900" dirty="0">
-              <a:solidFill>
-                <a:srgbClr val="000000"/>
-              </a:solidFill>
-              <a:latin typeface="Courier New" panose="02070309020205020404" pitchFamily="49" charset="0"/>
-              <a:cs typeface="Courier New" panose="02070309020205020404" pitchFamily="49" charset="0"/>
-            </a:endParaRPr>
           </a:p>
         </p:txBody>
       </p:sp>
@@ -7945,13 +7840,6 @@
               </a:rPr>
               <a:t>8</a:t>
             </a:r>
-            <a:endParaRPr lang="en-US" sz="900" dirty="0">
-              <a:solidFill>
-                <a:srgbClr val="000000"/>
-              </a:solidFill>
-              <a:latin typeface="Courier New" panose="02070309020205020404" pitchFamily="49" charset="0"/>
-              <a:cs typeface="Courier New" panose="02070309020205020404" pitchFamily="49" charset="0"/>
-            </a:endParaRPr>
           </a:p>
         </p:txBody>
       </p:sp>
@@ -8004,13 +7892,6 @@
               </a:rPr>
               <a:t>DIGIT2</a:t>
             </a:r>
-            <a:endParaRPr lang="en-US" sz="900" dirty="0">
-              <a:solidFill>
-                <a:srgbClr val="000000"/>
-              </a:solidFill>
-              <a:latin typeface="Courier New" panose="02070309020205020404" pitchFamily="49" charset="0"/>
-              <a:cs typeface="Courier New" panose="02070309020205020404" pitchFamily="49" charset="0"/>
-            </a:endParaRPr>
           </a:p>
         </p:txBody>
       </p:sp>
@@ -8191,13 +8072,6 @@
               </a:rPr>
               <a:t>8</a:t>
             </a:r>
-            <a:endParaRPr lang="en-US" sz="900" dirty="0">
-              <a:solidFill>
-                <a:srgbClr val="000000"/>
-              </a:solidFill>
-              <a:latin typeface="Courier New" panose="02070309020205020404" pitchFamily="49" charset="0"/>
-              <a:cs typeface="Courier New" panose="02070309020205020404" pitchFamily="49" charset="0"/>
-            </a:endParaRPr>
           </a:p>
         </p:txBody>
       </p:sp>
@@ -8250,13 +8124,6 @@
               </a:rPr>
               <a:t>DIGIT3</a:t>
             </a:r>
-            <a:endParaRPr lang="en-US" sz="900" dirty="0">
-              <a:solidFill>
-                <a:srgbClr val="000000"/>
-              </a:solidFill>
-              <a:latin typeface="Courier New" panose="02070309020205020404" pitchFamily="49" charset="0"/>
-              <a:cs typeface="Courier New" panose="02070309020205020404" pitchFamily="49" charset="0"/>
-            </a:endParaRPr>
           </a:p>
         </p:txBody>
       </p:sp>
@@ -8555,13 +8422,6 @@
               </a:rPr>
               <a:t>8</a:t>
             </a:r>
-            <a:endParaRPr lang="en-US" sz="900" dirty="0">
-              <a:solidFill>
-                <a:srgbClr val="000000"/>
-              </a:solidFill>
-              <a:latin typeface="Courier New" panose="02070309020205020404" pitchFamily="49" charset="0"/>
-              <a:cs typeface="Courier New" panose="02070309020205020404" pitchFamily="49" charset="0"/>
-            </a:endParaRPr>
           </a:p>
         </p:txBody>
       </p:sp>
@@ -8849,13 +8709,6 @@
               </a:rPr>
               <a:t>4</a:t>
             </a:r>
-            <a:endParaRPr lang="en-US" sz="900" dirty="0">
-              <a:solidFill>
-                <a:srgbClr val="000000"/>
-              </a:solidFill>
-              <a:latin typeface="Courier New" panose="02070309020205020404" pitchFamily="49" charset="0"/>
-              <a:cs typeface="Courier New" panose="02070309020205020404" pitchFamily="49" charset="0"/>
-            </a:endParaRPr>
           </a:p>
         </p:txBody>
       </p:sp>
@@ -8946,13 +8799,6 @@
               </a:rPr>
               <a:t>4’h1</a:t>
             </a:r>
-            <a:endParaRPr lang="en-US" sz="900" dirty="0">
-              <a:solidFill>
-                <a:srgbClr val="000000"/>
-              </a:solidFill>
-              <a:latin typeface="Courier New" panose="02070309020205020404" pitchFamily="49" charset="0"/>
-              <a:cs typeface="Courier New" panose="02070309020205020404" pitchFamily="49" charset="0"/>
-            </a:endParaRPr>
           </a:p>
         </p:txBody>
       </p:sp>
@@ -9195,13 +9041,6 @@
               </a:rPr>
               <a:t>4’h0</a:t>
             </a:r>
-            <a:endParaRPr lang="en-US" sz="900" dirty="0">
-              <a:solidFill>
-                <a:srgbClr val="000000"/>
-              </a:solidFill>
-              <a:latin typeface="Courier New" panose="02070309020205020404" pitchFamily="49" charset="0"/>
-              <a:cs typeface="Courier New" panose="02070309020205020404" pitchFamily="49" charset="0"/>
-            </a:endParaRPr>
           </a:p>
         </p:txBody>
       </p:sp>
@@ -9500,13 +9339,6 @@
               </a:rPr>
               <a:t>4</a:t>
             </a:r>
-            <a:endParaRPr lang="en-US" sz="900" dirty="0">
-              <a:solidFill>
-                <a:srgbClr val="000000"/>
-              </a:solidFill>
-              <a:latin typeface="Courier New" panose="02070309020205020404" pitchFamily="49" charset="0"/>
-              <a:cs typeface="Courier New" panose="02070309020205020404" pitchFamily="49" charset="0"/>
-            </a:endParaRPr>
           </a:p>
         </p:txBody>
       </p:sp>
@@ -9691,13 +9523,6 @@
               </a:rPr>
               <a:t>{(BW-1){1’b0}, 1’b1}</a:t>
             </a:r>
-            <a:endParaRPr lang="en-US" sz="900" dirty="0">
-              <a:solidFill>
-                <a:srgbClr val="000000"/>
-              </a:solidFill>
-              <a:latin typeface="Courier New" panose="02070309020205020404" pitchFamily="49" charset="0"/>
-              <a:cs typeface="Courier New" panose="02070309020205020404" pitchFamily="49" charset="0"/>
-            </a:endParaRPr>
           </a:p>
         </p:txBody>
       </p:sp>
@@ -9843,13 +9668,6 @@
               </a:rPr>
               <a:t>{(BW-1){1’b0}, 1’b1}</a:t>
             </a:r>
-            <a:endParaRPr lang="en-US" sz="900" dirty="0">
-              <a:solidFill>
-                <a:srgbClr val="000000"/>
-              </a:solidFill>
-              <a:latin typeface="Courier New" panose="02070309020205020404" pitchFamily="49" charset="0"/>
-              <a:cs typeface="Courier New" panose="02070309020205020404" pitchFamily="49" charset="0"/>
-            </a:endParaRPr>
           </a:p>
         </p:txBody>
       </p:sp>
@@ -9905,13 +9723,6 @@
               </a:rPr>
               <a:t>-</a:t>
             </a:r>
-            <a:endParaRPr lang="en-US" sz="900" dirty="0">
-              <a:solidFill>
-                <a:srgbClr val="000000"/>
-              </a:solidFill>
-              <a:latin typeface="Courier New" panose="02070309020205020404" pitchFamily="49" charset="0"/>
-              <a:cs typeface="Courier New" panose="02070309020205020404" pitchFamily="49" charset="0"/>
-            </a:endParaRPr>
           </a:p>
         </p:txBody>
       </p:sp>
@@ -9965,13 +9776,6 @@
               </a:rPr>
               <a:t>-</a:t>
             </a:r>
-            <a:endParaRPr lang="en-US" sz="900" dirty="0">
-              <a:solidFill>
-                <a:srgbClr val="000000"/>
-              </a:solidFill>
-              <a:latin typeface="Courier New" panose="02070309020205020404" pitchFamily="49" charset="0"/>
-              <a:cs typeface="Courier New" panose="02070309020205020404" pitchFamily="49" charset="0"/>
-            </a:endParaRPr>
           </a:p>
         </p:txBody>
       </p:sp>
@@ -10571,13 +10375,6 @@
               </a:rPr>
               <a:t>8</a:t>
             </a:r>
-            <a:endParaRPr lang="en-US" sz="900" dirty="0">
-              <a:solidFill>
-                <a:srgbClr val="000000"/>
-              </a:solidFill>
-              <a:latin typeface="Courier New" panose="02070309020205020404" pitchFamily="49" charset="0"/>
-              <a:cs typeface="Courier New" panose="02070309020205020404" pitchFamily="49" charset="0"/>
-            </a:endParaRPr>
           </a:p>
         </p:txBody>
       </p:sp>
@@ -10630,13 +10427,6 @@
               </a:rPr>
               <a:t>DIGIT</a:t>
             </a:r>
-            <a:endParaRPr lang="en-US" sz="900" dirty="0">
-              <a:solidFill>
-                <a:srgbClr val="000000"/>
-              </a:solidFill>
-              <a:latin typeface="Courier New" panose="02070309020205020404" pitchFamily="49" charset="0"/>
-              <a:cs typeface="Courier New" panose="02070309020205020404" pitchFamily="49" charset="0"/>
-            </a:endParaRPr>
           </a:p>
         </p:txBody>
       </p:sp>
@@ -10778,13 +10568,6 @@
               </a:rPr>
               <a:t>4</a:t>
             </a:r>
-            <a:endParaRPr lang="en-US" sz="900" dirty="0">
-              <a:solidFill>
-                <a:srgbClr val="000000"/>
-              </a:solidFill>
-              <a:latin typeface="Courier New" panose="02070309020205020404" pitchFamily="49" charset="0"/>
-              <a:cs typeface="Courier New" panose="02070309020205020404" pitchFamily="49" charset="0"/>
-            </a:endParaRPr>
           </a:p>
         </p:txBody>
       </p:sp>
@@ -10837,6 +10620,183 @@
               </a:rPr>
               <a:t>DIGIT_SEL</a:t>
             </a:r>
+          </a:p>
+        </p:txBody>
+      </p:sp>
+      <p:cxnSp>
+        <p:nvCxnSpPr>
+          <p:cNvPr id="470" name="Straight Connector 469"/>
+          <p:cNvCxnSpPr>
+            <a:endCxn id="466" idx="1"/>
+          </p:cNvCxnSpPr>
+          <p:nvPr/>
+        </p:nvCxnSpPr>
+        <p:spPr>
+          <a:xfrm flipV="1">
+            <a:off x="12954000" y="4114799"/>
+            <a:ext cx="1828800" cy="2"/>
+          </a:xfrm>
+          <a:prstGeom prst="line">
+            <a:avLst/>
+          </a:prstGeom>
+          <a:ln w="12700">
+            <a:solidFill>
+              <a:srgbClr val="000000"/>
+            </a:solidFill>
+            <a:headEnd type="none" w="med" len="med"/>
+            <a:tailEnd type="none" w="med" len="med"/>
+          </a:ln>
+        </p:spPr>
+        <p:style>
+          <a:lnRef idx="1">
+            <a:schemeClr val="accent1"/>
+          </a:lnRef>
+          <a:fillRef idx="0">
+            <a:schemeClr val="accent1"/>
+          </a:fillRef>
+          <a:effectRef idx="0">
+            <a:schemeClr val="accent1"/>
+          </a:effectRef>
+          <a:fontRef idx="minor">
+            <a:schemeClr val="tx1"/>
+          </a:fontRef>
+        </p:style>
+      </p:cxnSp>
+      <p:cxnSp>
+        <p:nvCxnSpPr>
+          <p:cNvPr id="472" name="Straight Connector 471"/>
+          <p:cNvCxnSpPr>
+            <a:endCxn id="462" idx="1"/>
+          </p:cNvCxnSpPr>
+          <p:nvPr/>
+        </p:nvCxnSpPr>
+        <p:spPr>
+          <a:xfrm flipV="1">
+            <a:off x="12954000" y="2971799"/>
+            <a:ext cx="1828800" cy="2"/>
+          </a:xfrm>
+          <a:prstGeom prst="line">
+            <a:avLst/>
+          </a:prstGeom>
+          <a:ln w="12700">
+            <a:solidFill>
+              <a:srgbClr val="000000"/>
+            </a:solidFill>
+            <a:headEnd type="none" w="med" len="med"/>
+            <a:tailEnd type="none" w="med" len="med"/>
+          </a:ln>
+        </p:spPr>
+        <p:style>
+          <a:lnRef idx="1">
+            <a:schemeClr val="accent1"/>
+          </a:lnRef>
+          <a:fillRef idx="0">
+            <a:schemeClr val="accent1"/>
+          </a:fillRef>
+          <a:effectRef idx="0">
+            <a:schemeClr val="accent1"/>
+          </a:effectRef>
+          <a:fontRef idx="minor">
+            <a:schemeClr val="tx1"/>
+          </a:fontRef>
+        </p:style>
+      </p:cxnSp>
+      <p:cxnSp>
+        <p:nvCxnSpPr>
+          <p:cNvPr id="164" name="Straight Connector 163"/>
+          <p:cNvCxnSpPr/>
+          <p:nvPr/>
+        </p:nvCxnSpPr>
+        <p:spPr>
+          <a:xfrm flipV="1">
+            <a:off x="12420600" y="3200400"/>
+            <a:ext cx="152400" cy="76200"/>
+          </a:xfrm>
+          <a:prstGeom prst="line">
+            <a:avLst/>
+          </a:prstGeom>
+          <a:ln w="12700">
+            <a:solidFill>
+              <a:srgbClr val="000000"/>
+            </a:solidFill>
+            <a:headEnd type="none" w="med" len="med"/>
+            <a:tailEnd type="triangle" w="med" len="med"/>
+          </a:ln>
+        </p:spPr>
+        <p:style>
+          <a:lnRef idx="1">
+            <a:schemeClr val="accent1"/>
+          </a:lnRef>
+          <a:fillRef idx="0">
+            <a:schemeClr val="accent1"/>
+          </a:fillRef>
+          <a:effectRef idx="0">
+            <a:schemeClr val="accent1"/>
+          </a:effectRef>
+          <a:fontRef idx="minor">
+            <a:schemeClr val="tx1"/>
+          </a:fontRef>
+        </p:style>
+      </p:cxnSp>
+      <p:sp>
+        <p:nvSpPr>
+          <p:cNvPr id="166" name="Rectangle 165"/>
+          <p:cNvSpPr/>
+          <p:nvPr/>
+        </p:nvSpPr>
+        <p:spPr>
+          <a:xfrm>
+            <a:off x="12192000" y="3276600"/>
+            <a:ext cx="457200" cy="152400"/>
+          </a:xfrm>
+          <a:prstGeom prst="rect">
+            <a:avLst/>
+          </a:prstGeom>
+          <a:noFill/>
+          <a:ln>
+            <a:noFill/>
+          </a:ln>
+        </p:spPr>
+        <p:style>
+          <a:lnRef idx="2">
+            <a:schemeClr val="accent1">
+              <a:shade val="50000"/>
+            </a:schemeClr>
+          </a:lnRef>
+          <a:fillRef idx="1">
+            <a:schemeClr val="accent1"/>
+          </a:fillRef>
+          <a:effectRef idx="0">
+            <a:schemeClr val="accent1"/>
+          </a:effectRef>
+          <a:fontRef idx="minor">
+            <a:schemeClr val="lt1"/>
+          </a:fontRef>
+        </p:style>
+        <p:txBody>
+          <a:bodyPr wrap="none" lIns="45720" rIns="45720" rtlCol="0" anchor="ctr"/>
+          <a:lstStyle/>
+          <a:p>
+            <a:r>
+              <a:rPr lang="en-US" sz="900" dirty="0" err="1" smtClean="0">
+                <a:solidFill>
+                  <a:srgbClr val="000000"/>
+                </a:solidFill>
+                <a:latin typeface="Courier New" panose="02070309020205020404" pitchFamily="49" charset="0"/>
+                <a:cs typeface="Courier New" panose="02070309020205020404" pitchFamily="49" charset="0"/>
+              </a:rPr>
+              <a:t>rst</a:t>
+            </a:r>
+            <a:r>
+              <a:rPr lang="en-US" sz="900" dirty="0" smtClean="0">
+                <a:solidFill>
+                  <a:srgbClr val="000000"/>
+                </a:solidFill>
+                <a:latin typeface="Courier New" panose="02070309020205020404" pitchFamily="49" charset="0"/>
+                <a:cs typeface="Courier New" panose="02070309020205020404" pitchFamily="49" charset="0"/>
+              </a:rPr>
+              <a:t>-&gt;~8’d0</a:t>
+            </a:r>
             <a:endParaRPr lang="en-US" sz="900" dirty="0">
               <a:solidFill>
                 <a:srgbClr val="000000"/>
@@ -10847,84 +10807,6 @@
           </a:p>
         </p:txBody>
       </p:sp>
-      <p:cxnSp>
-        <p:nvCxnSpPr>
-          <p:cNvPr id="470" name="Straight Connector 469"/>
-          <p:cNvCxnSpPr>
-            <a:endCxn id="466" idx="1"/>
-          </p:cNvCxnSpPr>
-          <p:nvPr/>
-        </p:nvCxnSpPr>
-        <p:spPr>
-          <a:xfrm flipV="1">
-            <a:off x="12954000" y="4114799"/>
-            <a:ext cx="1828800" cy="2"/>
-          </a:xfrm>
-          <a:prstGeom prst="line">
-            <a:avLst/>
-          </a:prstGeom>
-          <a:ln w="12700">
-            <a:solidFill>
-              <a:srgbClr val="000000"/>
-            </a:solidFill>
-            <a:headEnd type="none" w="med" len="med"/>
-            <a:tailEnd type="none" w="med" len="med"/>
-          </a:ln>
-        </p:spPr>
-        <p:style>
-          <a:lnRef idx="1">
-            <a:schemeClr val="accent1"/>
-          </a:lnRef>
-          <a:fillRef idx="0">
-            <a:schemeClr val="accent1"/>
-          </a:fillRef>
-          <a:effectRef idx="0">
-            <a:schemeClr val="accent1"/>
-          </a:effectRef>
-          <a:fontRef idx="minor">
-            <a:schemeClr val="tx1"/>
-          </a:fontRef>
-        </p:style>
-      </p:cxnSp>
-      <p:cxnSp>
-        <p:nvCxnSpPr>
-          <p:cNvPr id="472" name="Straight Connector 471"/>
-          <p:cNvCxnSpPr>
-            <a:endCxn id="462" idx="1"/>
-          </p:cNvCxnSpPr>
-          <p:nvPr/>
-        </p:nvCxnSpPr>
-        <p:spPr>
-          <a:xfrm flipV="1">
-            <a:off x="12954000" y="2971799"/>
-            <a:ext cx="1828800" cy="2"/>
-          </a:xfrm>
-          <a:prstGeom prst="line">
-            <a:avLst/>
-          </a:prstGeom>
-          <a:ln w="12700">
-            <a:solidFill>
-              <a:srgbClr val="000000"/>
-            </a:solidFill>
-            <a:headEnd type="none" w="med" len="med"/>
-            <a:tailEnd type="none" w="med" len="med"/>
-          </a:ln>
-        </p:spPr>
-        <p:style>
-          <a:lnRef idx="1">
-            <a:schemeClr val="accent1"/>
-          </a:lnRef>
-          <a:fillRef idx="0">
-            <a:schemeClr val="accent1"/>
-          </a:fillRef>
-          <a:effectRef idx="0">
-            <a:schemeClr val="accent1"/>
-          </a:effectRef>
-          <a:fontRef idx="minor">
-            <a:schemeClr val="tx1"/>
-          </a:fontRef>
-        </p:style>
-      </p:cxnSp>
     </p:spTree>
     <p:extLst>
       <p:ext uri="{BB962C8B-B14F-4D97-AF65-F5344CB8AC3E}">
